--- a/Presentation/2K19-SE-077-MnS.pptx
+++ b/Presentation/2K19-SE-077-MnS.pptx
@@ -5,17 +5,21 @@
     <p:sldMasterId id="2147483672" r:id="rId1"/>
   </p:sldMasterIdLst>
   <p:notesMasterIdLst>
-    <p:notesMasterId r:id="rId10"/>
+    <p:notesMasterId r:id="rId14"/>
   </p:notesMasterIdLst>
   <p:sldIdLst>
     <p:sldId id="256" r:id="rId2"/>
     <p:sldId id="257" r:id="rId3"/>
     <p:sldId id="260" r:id="rId4"/>
-    <p:sldId id="258" r:id="rId5"/>
-    <p:sldId id="261" r:id="rId6"/>
-    <p:sldId id="262" r:id="rId7"/>
-    <p:sldId id="263" r:id="rId8"/>
-    <p:sldId id="259" r:id="rId9"/>
+    <p:sldId id="264" r:id="rId5"/>
+    <p:sldId id="258" r:id="rId6"/>
+    <p:sldId id="261" r:id="rId7"/>
+    <p:sldId id="268" r:id="rId8"/>
+    <p:sldId id="262" r:id="rId9"/>
+    <p:sldId id="263" r:id="rId10"/>
+    <p:sldId id="265" r:id="rId11"/>
+    <p:sldId id="266" r:id="rId12"/>
+    <p:sldId id="267" r:id="rId13"/>
   </p:sldIdLst>
   <p:sldSz cx="9144000" cy="6858000" type="screen4x3"/>
   <p:notesSz cx="6858000" cy="9144000"/>
@@ -199,7 +203,8 @@
           <a:p>
             <a:fld id="{2EDEC02C-AF81-4AFD-913A-B70A2846C495}" type="datetimeFigureOut">
               <a:rPr lang="en-US" smtClean="0"/>
-              <a:t>10/8/2020</a:t>
+              <a:pPr/>
+              <a:t>11/18/2020</a:t>
             </a:fld>
             <a:endParaRPr lang="en-US"/>
           </a:p>
@@ -360,6 +365,7 @@
           <a:p>
             <a:fld id="{E78286C0-8034-4BC8-87F8-5CF7D3ED7C93}" type="slidenum">
               <a:rPr lang="en-US" smtClean="0"/>
+              <a:pPr/>
               <a:t>‹#›</a:t>
             </a:fld>
             <a:endParaRPr lang="en-US"/>
@@ -531,6 +537,7 @@
           <a:p>
             <a:fld id="{E78286C0-8034-4BC8-87F8-5CF7D3ED7C93}" type="slidenum">
               <a:rPr lang="en-US" smtClean="0"/>
+              <a:pPr/>
               <a:t>1</a:t>
             </a:fld>
             <a:endParaRPr lang="en-US"/>
@@ -683,7 +690,7 @@
             <a:fld id="{1D8BD707-D9CF-40AE-B4C6-C98DA3205C09}" type="datetimeFigureOut">
               <a:rPr lang="en-US" smtClean="0"/>
               <a:pPr/>
-              <a:t>10/8/2020</a:t>
+              <a:t>11/18/2020</a:t>
             </a:fld>
             <a:endParaRPr lang="en-US" dirty="0"/>
           </a:p>
@@ -1442,7 +1449,7 @@
     <a:overrideClrMapping bg1="lt1" tx1="dk1" bg2="lt2" tx2="dk2" accent1="accent1" accent2="accent2" accent3="accent3" accent4="accent4" accent5="accent5" accent6="accent6" hlink="hlink" folHlink="folHlink"/>
   </p:clrMapOvr>
   <p:transition spd="med">
-    <p:fade/>
+    <p:fade thruBlk="1"/>
   </p:transition>
 </p:sldLayout>
 </file>
@@ -1557,7 +1564,7 @@
             <a:fld id="{1D8BD707-D9CF-40AE-B4C6-C98DA3205C09}" type="datetimeFigureOut">
               <a:rPr lang="en-US" smtClean="0"/>
               <a:pPr/>
-              <a:t>10/8/2020</a:t>
+              <a:t>11/18/2020</a:t>
             </a:fld>
             <a:endParaRPr lang="en-US" dirty="0"/>
           </a:p>
@@ -1612,7 +1619,7 @@
     <a:masterClrMapping/>
   </p:clrMapOvr>
   <p:transition spd="med">
-    <p:fade/>
+    <p:fade thruBlk="1"/>
   </p:transition>
 </p:sldLayout>
 </file>
@@ -1737,7 +1744,7 @@
             <a:fld id="{1D8BD707-D9CF-40AE-B4C6-C98DA3205C09}" type="datetimeFigureOut">
               <a:rPr lang="en-US" smtClean="0"/>
               <a:pPr/>
-              <a:t>10/8/2020</a:t>
+              <a:t>11/18/2020</a:t>
             </a:fld>
             <a:endParaRPr lang="en-US" dirty="0"/>
           </a:p>
@@ -1792,7 +1799,7 @@
     <a:masterClrMapping/>
   </p:clrMapOvr>
   <p:transition spd="med">
-    <p:fade/>
+    <p:fade thruBlk="1"/>
   </p:transition>
 </p:sldLayout>
 </file>
@@ -1912,7 +1919,7 @@
             <a:fld id="{1D8BD707-D9CF-40AE-B4C6-C98DA3205C09}" type="datetimeFigureOut">
               <a:rPr lang="en-US" smtClean="0"/>
               <a:pPr/>
-              <a:t>10/8/2020</a:t>
+              <a:t>11/18/2020</a:t>
             </a:fld>
             <a:endParaRPr lang="en-US" dirty="0"/>
           </a:p>
@@ -1967,7 +1974,7 @@
     <a:masterClrMapping/>
   </p:clrMapOvr>
   <p:transition spd="med">
-    <p:fade/>
+    <p:fade thruBlk="1"/>
   </p:transition>
 </p:sldLayout>
 </file>
@@ -2127,7 +2134,7 @@
             <a:fld id="{1D8BD707-D9CF-40AE-B4C6-C98DA3205C09}" type="datetimeFigureOut">
               <a:rPr lang="en-US" smtClean="0"/>
               <a:pPr/>
-              <a:t>10/8/2020</a:t>
+              <a:t>11/18/2020</a:t>
             </a:fld>
             <a:endParaRPr lang="en-US" dirty="0"/>
           </a:p>
@@ -2883,7 +2890,7 @@
     <a:overrideClrMapping bg1="dk1" tx1="lt1" bg2="dk2" tx2="lt2" accent1="accent1" accent2="accent2" accent3="accent3" accent4="accent4" accent5="accent5" accent6="accent6" hlink="hlink" folHlink="folHlink"/>
   </p:clrMapOvr>
   <p:transition spd="med">
-    <p:fade/>
+    <p:fade thruBlk="1"/>
   </p:transition>
 </p:sldLayout>
 </file>
@@ -2946,7 +2953,7 @@
             <a:fld id="{1D8BD707-D9CF-40AE-B4C6-C98DA3205C09}" type="datetimeFigureOut">
               <a:rPr lang="en-US" smtClean="0"/>
               <a:pPr/>
-              <a:t>10/8/2020</a:t>
+              <a:t>11/18/2020</a:t>
             </a:fld>
             <a:endParaRPr lang="en-US" dirty="0"/>
           </a:p>
@@ -3115,7 +3122,7 @@
     <a:masterClrMapping/>
   </p:clrMapOvr>
   <p:transition spd="med">
-    <p:fade/>
+    <p:fade thruBlk="1"/>
   </p:transition>
 </p:sldLayout>
 </file>
@@ -3187,7 +3194,7 @@
             <a:fld id="{1D8BD707-D9CF-40AE-B4C6-C98DA3205C09}" type="datetimeFigureOut">
               <a:rPr lang="en-US" smtClean="0"/>
               <a:pPr/>
-              <a:t>10/8/2020</a:t>
+              <a:t>11/18/2020</a:t>
             </a:fld>
             <a:endParaRPr lang="en-US" dirty="0"/>
           </a:p>
@@ -3452,7 +3459,7 @@
     <a:masterClrMapping/>
   </p:clrMapOvr>
   <p:transition spd="med">
-    <p:fade/>
+    <p:fade thruBlk="1"/>
   </p:transition>
 </p:sldLayout>
 </file>
@@ -3515,7 +3522,7 @@
             <a:fld id="{1D8BD707-D9CF-40AE-B4C6-C98DA3205C09}" type="datetimeFigureOut">
               <a:rPr lang="en-US" smtClean="0"/>
               <a:pPr/>
-              <a:t>10/8/2020</a:t>
+              <a:t>11/18/2020</a:t>
             </a:fld>
             <a:endParaRPr lang="en-US" dirty="0"/>
           </a:p>
@@ -3570,7 +3577,7 @@
     <a:masterClrMapping/>
   </p:clrMapOvr>
   <p:transition spd="med">
-    <p:fade/>
+    <p:fade thruBlk="1"/>
   </p:transition>
 </p:sldLayout>
 </file>
@@ -3610,7 +3617,7 @@
             <a:fld id="{1D8BD707-D9CF-40AE-B4C6-C98DA3205C09}" type="datetimeFigureOut">
               <a:rPr lang="en-US" smtClean="0"/>
               <a:pPr/>
-              <a:t>10/8/2020</a:t>
+              <a:t>11/18/2020</a:t>
             </a:fld>
             <a:endParaRPr lang="en-US" dirty="0"/>
           </a:p>
@@ -3665,7 +3672,7 @@
     <a:masterClrMapping/>
   </p:clrMapOvr>
   <p:transition spd="med">
-    <p:fade/>
+    <p:fade thruBlk="1"/>
   </p:transition>
 </p:sldLayout>
 </file>
@@ -4132,7 +4139,7 @@
             <a:fld id="{1D8BD707-D9CF-40AE-B4C6-C98DA3205C09}" type="datetimeFigureOut">
               <a:rPr lang="en-US" smtClean="0"/>
               <a:pPr/>
-              <a:t>10/8/2020</a:t>
+              <a:t>11/18/2020</a:t>
             </a:fld>
             <a:endParaRPr lang="en-US" dirty="0"/>
           </a:p>
@@ -4187,7 +4194,7 @@
     <a:overrideClrMapping bg1="lt1" tx1="dk1" bg2="lt2" tx2="dk2" accent1="accent1" accent2="accent2" accent3="accent3" accent4="accent4" accent5="accent5" accent6="accent6" hlink="hlink" folHlink="folHlink"/>
   </p:clrMapOvr>
   <p:transition spd="med">
-    <p:fade/>
+    <p:fade thruBlk="1"/>
   </p:transition>
 </p:sldLayout>
 </file>
@@ -4648,7 +4655,7 @@
             <a:fld id="{1D8BD707-D9CF-40AE-B4C6-C98DA3205C09}" type="datetimeFigureOut">
               <a:rPr lang="en-US" smtClean="0"/>
               <a:pPr/>
-              <a:t>10/8/2020</a:t>
+              <a:t>11/18/2020</a:t>
             </a:fld>
             <a:endParaRPr lang="en-US" dirty="0"/>
           </a:p>
@@ -4703,7 +4710,7 @@
     <a:masterClrMapping/>
   </p:clrMapOvr>
   <p:transition spd="med">
-    <p:fade/>
+    <p:fade thruBlk="1"/>
   </p:transition>
 </p:sldLayout>
 </file>
@@ -4898,7 +4905,7 @@
             <a:fld id="{1D8BD707-D9CF-40AE-B4C6-C98DA3205C09}" type="datetimeFigureOut">
               <a:rPr lang="en-US" smtClean="0"/>
               <a:pPr/>
-              <a:t>10/8/2020</a:t>
+              <a:t>11/18/2020</a:t>
             </a:fld>
             <a:endParaRPr lang="en-US" dirty="0"/>
           </a:p>
@@ -5198,7 +5205,7 @@
     <p:sldLayoutId id="2147483683" r:id="rId11"/>
   </p:sldLayoutIdLst>
   <p:transition spd="med">
-    <p:fade/>
+    <p:fade thruBlk="1"/>
   </p:transition>
   <p:txStyles>
     <p:titleStyle>
@@ -5595,7 +5602,7 @@
     <a:masterClrMapping/>
   </p:clrMapOvr>
   <p:transition spd="med">
-    <p:fade/>
+    <p:fade thruBlk="1"/>
   </p:transition>
   <p:timing>
     <p:tnLst>
@@ -5607,7 +5614,7 @@
 </p:sld>
 </file>
 
-<file path=ppt/slides/slide2.xml><?xml version="1.0" encoding="utf-8"?>
+<file path=ppt/slides/slide10.xml><?xml version="1.0" encoding="utf-8"?>
 <p:sld xmlns:a="http://schemas.openxmlformats.org/drawingml/2006/main" xmlns:r="http://schemas.openxmlformats.org/officeDocument/2006/relationships" xmlns:p="http://schemas.openxmlformats.org/presentationml/2006/main">
   <p:cSld>
     <p:spTree>
@@ -5626,7 +5633,7 @@
       </p:grpSpPr>
       <p:sp>
         <p:nvSpPr>
-          <p:cNvPr id="4" name="Title 3"/>
+          <p:cNvPr id="2" name="Title 1"/>
           <p:cNvSpPr>
             <a:spLocks noGrp="1"/>
           </p:cNvSpPr>
@@ -5643,68 +5650,50 @@
           <a:p>
             <a:pPr algn="ctr"/>
             <a:r>
-              <a:rPr lang="en-US" sz="4400" b="1" dirty="0" smtClean="0"/>
-              <a:t>PROBLEM OVERVIEW</a:t>
-            </a:r>
-            <a:endParaRPr lang="en-US" sz="4400" b="1" dirty="0"/>
-          </a:p>
-        </p:txBody>
-      </p:sp>
-      <p:sp>
-        <p:nvSpPr>
-          <p:cNvPr id="5" name="Content Placeholder 4"/>
-          <p:cNvSpPr>
-            <a:spLocks noGrp="1"/>
-          </p:cNvSpPr>
-          <p:nvPr>
-            <p:ph sz="quarter" idx="1"/>
-          </p:nvPr>
-        </p:nvSpPr>
-        <p:spPr>
-          <a:xfrm>
-            <a:off x="304800" y="1679448"/>
-            <a:ext cx="7620000" cy="4873752"/>
-          </a:xfrm>
-        </p:spPr>
-        <p:txBody>
-          <a:bodyPr/>
-          <a:lstStyle/>
-          <a:p>
-            <a:pPr>
-              <a:buNone/>
-            </a:pPr>
-            <a:r>
-              <a:rPr lang="en-US" dirty="0" smtClean="0"/>
-              <a:t>    A vehicle schedule defines a schedule of goods deliveries by vehicles (or trucks) from a distribution centre (DC) to a net of shops or supermarkets. </a:t>
-            </a:r>
-          </a:p>
-          <a:p>
-            <a:pPr>
-              <a:buNone/>
-            </a:pPr>
-            <a:r>
-              <a:rPr lang="en-US" dirty="0" smtClean="0"/>
-              <a:t>    The model is aimed to simulate utilization of trucks in order to determine their usage and idle times. </a:t>
-            </a:r>
-          </a:p>
-          <a:p>
-            <a:pPr>
-              <a:buNone/>
-            </a:pPr>
-            <a:r>
-              <a:rPr lang="en-US" dirty="0" smtClean="0"/>
-              <a:t>    Here, the vehicle idle time is defined as a sum of time periods when truck is waiting for next trip in the parking place.</a:t>
-            </a:r>
-          </a:p>
-        </p:txBody>
-      </p:sp>
+              <a:rPr lang="en-US" sz="3600" b="1" u="sng" dirty="0" smtClean="0"/>
+              <a:t>STATISTICAL REPORT </a:t>
+            </a:r>
+            <a:endParaRPr lang="en-US" sz="3600" b="1" u="sng" dirty="0"/>
+          </a:p>
+        </p:txBody>
+      </p:sp>
+      <p:pic>
+        <p:nvPicPr>
+          <p:cNvPr id="4" name="Picture 3"/>
+          <p:cNvPicPr/>
+          <p:nvPr/>
+        </p:nvPicPr>
+        <p:blipFill>
+          <a:blip r:embed="rId2" cstate="print"/>
+          <a:srcRect r="25676" b="14947"/>
+          <a:stretch>
+            <a:fillRect/>
+          </a:stretch>
+        </p:blipFill>
+        <p:spPr bwMode="auto">
+          <a:xfrm>
+            <a:off x="152400" y="1671452"/>
+            <a:ext cx="8610600" cy="4957948"/>
+          </a:xfrm>
+          <a:prstGeom prst="rect">
+            <a:avLst/>
+          </a:prstGeom>
+          <a:noFill/>
+          <a:ln w="9525">
+            <a:noFill/>
+            <a:miter lim="800000"/>
+            <a:headEnd/>
+            <a:tailEnd/>
+          </a:ln>
+        </p:spPr>
+      </p:pic>
     </p:spTree>
   </p:cSld>
   <p:clrMapOvr>
     <a:masterClrMapping/>
   </p:clrMapOvr>
   <p:transition spd="med">
-    <p:fade/>
+    <p:fade thruBlk="1"/>
   </p:transition>
   <p:timing>
     <p:tnLst>
@@ -5716,7 +5705,7 @@
 </p:sld>
 </file>
 
-<file path=ppt/slides/slide3.xml><?xml version="1.0" encoding="utf-8"?>
+<file path=ppt/slides/slide11.xml><?xml version="1.0" encoding="utf-8"?>
 <p:sld xmlns:a="http://schemas.openxmlformats.org/drawingml/2006/main" xmlns:r="http://schemas.openxmlformats.org/officeDocument/2006/relationships" xmlns:p="http://schemas.openxmlformats.org/presentationml/2006/main">
   <p:cSld>
     <p:spTree>
@@ -5743,74 +5732,107 @@
             <p:ph type="title"/>
           </p:nvPr>
         </p:nvSpPr>
+        <p:spPr/>
+        <p:txBody>
+          <a:bodyPr>
+            <a:normAutofit/>
+          </a:bodyPr>
+          <a:lstStyle/>
+          <a:p>
+            <a:pPr algn="ctr"/>
+            <a:r>
+              <a:rPr lang="en-US" sz="4000" b="1" u="sng" dirty="0" smtClean="0"/>
+              <a:t>ANALYSIS</a:t>
+            </a:r>
+            <a:endParaRPr lang="en-US" sz="4000" b="1" u="sng" dirty="0"/>
+          </a:p>
+        </p:txBody>
+      </p:sp>
+      <p:sp>
+        <p:nvSpPr>
+          <p:cNvPr id="3" name="Content Placeholder 2"/>
+          <p:cNvSpPr>
+            <a:spLocks noGrp="1"/>
+          </p:cNvSpPr>
+          <p:nvPr>
+            <p:ph sz="quarter" idx="1"/>
+          </p:nvPr>
+        </p:nvSpPr>
         <p:spPr>
           <a:xfrm>
-            <a:off x="228600" y="304800"/>
-            <a:ext cx="3048000" cy="655638"/>
-          </a:xfrm>
-        </p:spPr>
-        <p:txBody>
-          <a:bodyPr/>
+            <a:off x="457200" y="1600200"/>
+            <a:ext cx="7848600" cy="4873752"/>
+          </a:xfrm>
+        </p:spPr>
+        <p:txBody>
+          <a:bodyPr>
+            <a:normAutofit/>
+          </a:bodyPr>
           <a:lstStyle/>
           <a:p>
             <a:r>
               <a:rPr lang="en-US" dirty="0" smtClean="0"/>
-              <a:t>INPUT DATA</a:t>
-            </a:r>
+              <a:t>First it provides idle time and used time data for all individual trips and then analyses all trips combined. </a:t>
+            </a:r>
+          </a:p>
+          <a:p>
+            <a:r>
+              <a:rPr lang="en-US" dirty="0" smtClean="0"/>
+              <a:t>Here we find out that overall idle time percentage of all utilization time is 10.96% in this sample data. </a:t>
+            </a:r>
+          </a:p>
+          <a:p>
+            <a:r>
+              <a:rPr lang="en-US" dirty="0" smtClean="0"/>
+              <a:t>Similarly such analysis can be performed for all schedules and with the help of Gantt charts and analysis report.</a:t>
+            </a:r>
+          </a:p>
+          <a:p>
+            <a:r>
+              <a:rPr lang="en-US" dirty="0" smtClean="0"/>
+              <a:t>Possible transformations of the schedule are also visible, for example, the second trip of the first vehicle could be assigned for the fifth vehicle to prevent long idle period of the fifth vehicle.</a:t>
+            </a:r>
+          </a:p>
+          <a:p>
             <a:endParaRPr lang="en-US" dirty="0"/>
           </a:p>
         </p:txBody>
       </p:sp>
-      <p:sp>
-        <p:nvSpPr>
-          <p:cNvPr id="3" name="Content Placeholder 2"/>
-          <p:cNvSpPr>
-            <a:spLocks noGrp="1"/>
-          </p:cNvSpPr>
-          <p:nvPr>
-            <p:ph sz="quarter" idx="1"/>
-          </p:nvPr>
-        </p:nvSpPr>
-        <p:spPr>
-          <a:xfrm>
-            <a:off x="0" y="914400"/>
-            <a:ext cx="8763000" cy="1905000"/>
-          </a:xfrm>
-        </p:spPr>
-        <p:txBody>
-          <a:bodyPr>
-            <a:normAutofit fontScale="92500" lnSpcReduction="10000"/>
-          </a:bodyPr>
-          <a:lstStyle/>
-          <a:p>
-            <a:pPr>
-              <a:buNone/>
-            </a:pPr>
-            <a:r>
-              <a:rPr lang="en-US" dirty="0" smtClean="0"/>
-              <a:t>    Input Data is defined by a set of trips, constraints, the average time for vehicle to move from one point to the next one and the average loading time for each vehicle in DC and the average unloading time for each shop in the route are defined. Constraints may include truck capacity constraints and delivery time constraints.</a:t>
-            </a:r>
-          </a:p>
-          <a:p>
-            <a:pPr>
-              <a:buNone/>
-            </a:pPr>
-            <a:endParaRPr lang="en-US" dirty="0" smtClean="0"/>
-          </a:p>
-          <a:p>
-            <a:pPr>
-              <a:buNone/>
-            </a:pPr>
-            <a:endParaRPr lang="en-US" dirty="0" smtClean="0"/>
-          </a:p>
-          <a:p>
-            <a:pPr>
-              <a:buNone/>
-            </a:pPr>
-            <a:endParaRPr lang="en-US" dirty="0"/>
-          </a:p>
-        </p:txBody>
-      </p:sp>
+    </p:spTree>
+  </p:cSld>
+  <p:clrMapOvr>
+    <a:masterClrMapping/>
+  </p:clrMapOvr>
+  <p:transition spd="med">
+    <p:fade thruBlk="1"/>
+  </p:transition>
+  <p:timing>
+    <p:tnLst>
+      <p:par>
+        <p:cTn id="1" dur="indefinite" restart="never" nodeType="tmRoot"/>
+      </p:par>
+    </p:tnLst>
+  </p:timing>
+</p:sld>
+</file>
+
+<file path=ppt/slides/slide12.xml><?xml version="1.0" encoding="utf-8"?>
+<p:sld xmlns:a="http://schemas.openxmlformats.org/drawingml/2006/main" xmlns:r="http://schemas.openxmlformats.org/officeDocument/2006/relationships" xmlns:p="http://schemas.openxmlformats.org/presentationml/2006/main">
+  <p:cSld>
+    <p:spTree>
+      <p:nvGrpSpPr>
+        <p:cNvPr id="1" name=""/>
+        <p:cNvGrpSpPr/>
+        <p:nvPr/>
+      </p:nvGrpSpPr>
+      <p:grpSpPr>
+        <a:xfrm>
+          <a:off x="0" y="0"/>
+          <a:ext cx="0" cy="0"/>
+          <a:chOff x="0" y="0"/>
+          <a:chExt cx="0" cy="0"/>
+        </a:xfrm>
+      </p:grpSpPr>
       <p:sp>
         <p:nvSpPr>
           <p:cNvPr id="4" name="Title 1"/>
@@ -5821,8 +5843,8 @@
         </p:nvSpPr>
         <p:spPr>
           <a:xfrm>
-            <a:off x="228600" y="2895600"/>
-            <a:ext cx="3048000" cy="655638"/>
+            <a:off x="838200" y="457200"/>
+            <a:ext cx="7620000" cy="990600"/>
           </a:xfrm>
           <a:prstGeom prst="rect">
             <a:avLst/>
@@ -5830,11 +5852,11 @@
         </p:spPr>
         <p:txBody>
           <a:bodyPr vert="horz" anchor="b">
-            <a:normAutofit fontScale="92500"/>
+            <a:normAutofit/>
           </a:bodyPr>
           <a:lstStyle/>
           <a:p>
-            <a:pPr marL="0" marR="0" lvl="0" indent="0" algn="l" defTabSz="914400" rtl="0" eaLnBrk="1" fontAlgn="auto" latinLnBrk="0" hangingPunct="1">
+            <a:pPr marL="0" marR="0" lvl="0" indent="0" algn="ctr" defTabSz="914400" rtl="0" eaLnBrk="1" fontAlgn="auto" latinLnBrk="0" hangingPunct="1">
               <a:lnSpc>
                 <a:spcPct val="100000"/>
               </a:lnSpc>
@@ -5846,13 +5868,11 @@
               </a:spcAft>
               <a:buClrTx/>
               <a:buSzTx/>
-              <a:buFontTx/>
-              <a:buNone/>
               <a:tabLst/>
               <a:defRPr/>
             </a:pPr>
             <a:r>
-              <a:rPr lang="en-US" sz="3000" cap="small" noProof="0" dirty="0" smtClean="0">
+              <a:rPr lang="en-US" sz="3600" b="1" u="sng" cap="small" noProof="0" dirty="0" smtClean="0">
                 <a:solidFill>
                   <a:schemeClr val="tx2"/>
                 </a:solidFill>
@@ -5860,26 +5880,9 @@
                 <a:ea typeface="+mj-ea"/>
                 <a:cs typeface="+mj-cs"/>
               </a:rPr>
-              <a:t>OUT</a:t>
-            </a:r>
-            <a:r>
-              <a:rPr kumimoji="0" lang="en-US" sz="3000" b="0" i="0" u="none" strike="noStrike" kern="1200" cap="small" spc="0" normalizeH="0" baseline="0" noProof="0" dirty="0" smtClean="0">
-                <a:ln>
-                  <a:noFill/>
-                </a:ln>
-                <a:solidFill>
-                  <a:schemeClr val="tx2"/>
-                </a:solidFill>
-                <a:effectLst/>
-                <a:uLnTx/>
-                <a:uFillTx/>
-                <a:latin typeface="+mj-lt"/>
-                <a:ea typeface="+mj-ea"/>
-                <a:cs typeface="+mj-cs"/>
-              </a:rPr>
-              <a:t>PUT DATA</a:t>
-            </a:r>
-            <a:endParaRPr kumimoji="0" lang="en-US" sz="3000" b="0" i="0" u="none" strike="noStrike" kern="1200" cap="small" spc="0" normalizeH="0" baseline="0" noProof="0" dirty="0">
+              <a:t>CONCLUSION</a:t>
+            </a:r>
+            <a:endParaRPr kumimoji="0" lang="en-US" sz="3600" b="1" i="0" u="sng" strike="noStrike" kern="1200" cap="small" spc="0" normalizeH="0" baseline="0" noProof="0" dirty="0">
               <a:ln>
                 <a:noFill/>
               </a:ln>
@@ -5898,7 +5901,7 @@
       </p:sp>
       <p:sp>
         <p:nvSpPr>
-          <p:cNvPr id="5" name="Content Placeholder 2"/>
+          <p:cNvPr id="6" name="Content Placeholder 2"/>
           <p:cNvSpPr txBox="1">
             <a:spLocks/>
           </p:cNvSpPr>
@@ -5906,8 +5909,8 @@
         </p:nvSpPr>
         <p:spPr>
           <a:xfrm>
-            <a:off x="0" y="3429000"/>
-            <a:ext cx="8915400" cy="1676400"/>
+            <a:off x="228600" y="1447800"/>
+            <a:ext cx="8305800" cy="5105400"/>
           </a:xfrm>
           <a:prstGeom prst="rect">
             <a:avLst/>
@@ -5918,6 +5921,74 @@
             <a:normAutofit/>
           </a:bodyPr>
           <a:lstStyle/>
+          <a:p>
+            <a:pPr marL="274320" indent="-274320">
+              <a:spcBef>
+                <a:spcPts val="600"/>
+              </a:spcBef>
+              <a:buClr>
+                <a:schemeClr val="accent1"/>
+              </a:buClr>
+              <a:buSzPct val="150000"/>
+              <a:buFont typeface="Arial" pitchFamily="34" charset="0"/>
+              <a:buChar char="•"/>
+            </a:pPr>
+            <a:r>
+              <a:rPr lang="en-US" sz="2200" dirty="0" smtClean="0"/>
+              <a:t> The visualization of vehicle and distribution centre utilization combined with statistical data can be used by expert to redefine vehicle schedule. </a:t>
+            </a:r>
+          </a:p>
+          <a:p>
+            <a:pPr marL="274320" indent="-274320">
+              <a:spcBef>
+                <a:spcPts val="600"/>
+              </a:spcBef>
+              <a:buClr>
+                <a:schemeClr val="accent1"/>
+              </a:buClr>
+              <a:buSzPct val="150000"/>
+              <a:buFont typeface="Arial" pitchFamily="34" charset="0"/>
+              <a:buChar char="•"/>
+            </a:pPr>
+            <a:r>
+              <a:rPr lang="en-US" sz="2200" dirty="0" smtClean="0"/>
+              <a:t>This model provides “what if” analysis for further improvement of a vehicle schedule generated with heuristic algorithms. </a:t>
+            </a:r>
+          </a:p>
+          <a:p>
+            <a:pPr marL="274320" indent="-274320">
+              <a:spcBef>
+                <a:spcPts val="600"/>
+              </a:spcBef>
+              <a:buClr>
+                <a:schemeClr val="accent1"/>
+              </a:buClr>
+              <a:buSzPct val="150000"/>
+              <a:buFont typeface="Arial" pitchFamily="34" charset="0"/>
+              <a:buChar char="•"/>
+            </a:pPr>
+            <a:r>
+              <a:rPr lang="en-US" sz="2200" dirty="0" smtClean="0"/>
+              <a:t>It is also useful for vehicle schedule adjustment for unexpected changes of input data and parameters of vehicle schedule, when heuristics are excessive for regeneration of a new schedule. </a:t>
+            </a:r>
+          </a:p>
+          <a:p>
+            <a:pPr marL="274320" indent="-274320">
+              <a:spcBef>
+                <a:spcPts val="600"/>
+              </a:spcBef>
+              <a:buClr>
+                <a:schemeClr val="accent1"/>
+              </a:buClr>
+              <a:buSzPct val="150000"/>
+              <a:buFont typeface="Arial" pitchFamily="34" charset="0"/>
+              <a:buChar char="•"/>
+            </a:pPr>
+            <a:r>
+              <a:rPr lang="en-US" sz="2200" dirty="0" smtClean="0"/>
+              <a:t>As all vehicles are simulated separately, simulation model is very flexible in terms of unique parameter definition for each vehicle. </a:t>
+            </a:r>
+          </a:p>
           <a:p>
             <a:pPr marL="274320" indent="-274320">
               <a:spcBef>
@@ -5928,27 +5999,7 @@
               </a:buClr>
               <a:buSzPct val="70000"/>
             </a:pPr>
-            <a:r>
-              <a:rPr kumimoji="0" lang="en-US" sz="2400" b="0" i="0" u="none" strike="noStrike" kern="1200" cap="none" spc="0" normalizeH="0" baseline="0" noProof="0" dirty="0" smtClean="0">
-                <a:ln>
-                  <a:noFill/>
-                </a:ln>
-                <a:solidFill>
-                  <a:schemeClr val="tx1"/>
-                </a:solidFill>
-                <a:effectLst/>
-                <a:uLnTx/>
-                <a:uFillTx/>
-                <a:latin typeface="+mn-lt"/>
-                <a:ea typeface="+mn-ea"/>
-                <a:cs typeface="+mn-cs"/>
-              </a:rPr>
-              <a:t>    </a:t>
-            </a:r>
-            <a:r>
-              <a:rPr lang="en-US" sz="2200" dirty="0" smtClean="0"/>
-              <a:t>The model also has to generate Gantt chart representing the vehicle schedule to be further analyzed by a planner. It also has to generate a statistical report denoting vehicle utilization and idle time.</a:t>
-            </a:r>
+            <a:endParaRPr lang="en-US" sz="2200" dirty="0" smtClean="0"/>
           </a:p>
           <a:p>
             <a:pPr marL="274320" marR="0" lvl="0" indent="-274320" algn="l" defTabSz="914400" rtl="0" eaLnBrk="1" fontAlgn="auto" latinLnBrk="0" hangingPunct="1">
@@ -5987,30 +6038,353 @@
           </a:p>
         </p:txBody>
       </p:sp>
-      <p:sp>
-        <p:nvSpPr>
-          <p:cNvPr id="6" name="Title 1"/>
-          <p:cNvSpPr txBox="1">
-            <a:spLocks/>
-          </p:cNvSpPr>
+    </p:spTree>
+  </p:cSld>
+  <p:clrMapOvr>
+    <a:masterClrMapping/>
+  </p:clrMapOvr>
+  <p:transition spd="med">
+    <p:fade thruBlk="1"/>
+  </p:transition>
+  <p:timing>
+    <p:tnLst>
+      <p:par>
+        <p:cTn id="1" dur="indefinite" restart="never" nodeType="tmRoot"/>
+      </p:par>
+    </p:tnLst>
+  </p:timing>
+</p:sld>
+</file>
+
+<file path=ppt/slides/slide2.xml><?xml version="1.0" encoding="utf-8"?>
+<p:sld xmlns:a="http://schemas.openxmlformats.org/drawingml/2006/main" xmlns:r="http://schemas.openxmlformats.org/officeDocument/2006/relationships" xmlns:p="http://schemas.openxmlformats.org/presentationml/2006/main">
+  <p:cSld>
+    <p:spTree>
+      <p:nvGrpSpPr>
+        <p:cNvPr id="1" name=""/>
+        <p:cNvGrpSpPr/>
+        <p:nvPr/>
+      </p:nvGrpSpPr>
+      <p:grpSpPr>
+        <a:xfrm>
+          <a:off x="0" y="0"/>
+          <a:ext cx="0" cy="0"/>
+          <a:chOff x="0" y="0"/>
+          <a:chExt cx="0" cy="0"/>
+        </a:xfrm>
+      </p:grpSpPr>
+      <p:sp>
+        <p:nvSpPr>
+          <p:cNvPr id="4" name="Title 3"/>
+          <p:cNvSpPr>
+            <a:spLocks noGrp="1"/>
+          </p:cNvSpPr>
+          <p:nvPr>
+            <p:ph type="title"/>
+          </p:nvPr>
+        </p:nvSpPr>
+        <p:spPr/>
+        <p:txBody>
+          <a:bodyPr>
+            <a:normAutofit/>
+          </a:bodyPr>
+          <a:lstStyle/>
+          <a:p>
+            <a:pPr algn="ctr"/>
+            <a:r>
+              <a:rPr lang="en-US" sz="4400" b="1" dirty="0" smtClean="0"/>
+              <a:t>PROBLEM OVERVIEW</a:t>
+            </a:r>
+            <a:endParaRPr lang="en-US" sz="4400" b="1" dirty="0"/>
+          </a:p>
+        </p:txBody>
+      </p:sp>
+      <p:sp>
+        <p:nvSpPr>
+          <p:cNvPr id="5" name="Content Placeholder 4"/>
+          <p:cNvSpPr>
+            <a:spLocks noGrp="1"/>
+          </p:cNvSpPr>
+          <p:nvPr>
+            <p:ph sz="quarter" idx="1"/>
+          </p:nvPr>
+        </p:nvSpPr>
+        <p:spPr>
+          <a:xfrm>
+            <a:off x="304800" y="1679448"/>
+            <a:ext cx="7620000" cy="4873752"/>
+          </a:xfrm>
+        </p:spPr>
+        <p:txBody>
+          <a:bodyPr/>
+          <a:lstStyle/>
+          <a:p>
+            <a:pPr>
+              <a:buNone/>
+            </a:pPr>
+            <a:r>
+              <a:rPr lang="en-US" dirty="0" smtClean="0"/>
+              <a:t>    A vehicle schedule defines a schedule of goods deliveries by vehicles (or trucks) from a distribution centre (DC) to a net of shops or supermarkets. </a:t>
+            </a:r>
+          </a:p>
+          <a:p>
+            <a:pPr>
+              <a:buNone/>
+            </a:pPr>
+            <a:r>
+              <a:rPr lang="en-US" dirty="0" smtClean="0"/>
+              <a:t>    The model is aimed to simulate utilization of trucks in order to determine their usage and idle times. </a:t>
+            </a:r>
+          </a:p>
+          <a:p>
+            <a:pPr>
+              <a:buNone/>
+            </a:pPr>
+            <a:r>
+              <a:rPr lang="en-US" dirty="0" smtClean="0"/>
+              <a:t>    Here, the vehicle idle time is defined as a sum of time periods when truck is waiting for next trip in the parking place.</a:t>
+            </a:r>
+          </a:p>
+        </p:txBody>
+      </p:sp>
+    </p:spTree>
+  </p:cSld>
+  <p:clrMapOvr>
+    <a:masterClrMapping/>
+  </p:clrMapOvr>
+  <p:transition spd="med">
+    <p:fade thruBlk="1"/>
+  </p:transition>
+  <p:timing>
+    <p:tnLst>
+      <p:par>
+        <p:cTn id="1" dur="indefinite" restart="never" nodeType="tmRoot"/>
+      </p:par>
+    </p:tnLst>
+  </p:timing>
+</p:sld>
+</file>
+
+<file path=ppt/slides/slide3.xml><?xml version="1.0" encoding="utf-8"?>
+<p:sld xmlns:a="http://schemas.openxmlformats.org/drawingml/2006/main" xmlns:r="http://schemas.openxmlformats.org/officeDocument/2006/relationships" xmlns:p="http://schemas.openxmlformats.org/presentationml/2006/main">
+  <p:cSld>
+    <p:spTree>
+      <p:nvGrpSpPr>
+        <p:cNvPr id="1" name=""/>
+        <p:cNvGrpSpPr/>
+        <p:nvPr/>
+      </p:nvGrpSpPr>
+      <p:grpSpPr>
+        <a:xfrm>
+          <a:off x="0" y="0"/>
+          <a:ext cx="0" cy="0"/>
+          <a:chOff x="0" y="0"/>
+          <a:chExt cx="0" cy="0"/>
+        </a:xfrm>
+      </p:grpSpPr>
+      <p:sp>
+        <p:nvSpPr>
+          <p:cNvPr id="2" name="Title 1"/>
+          <p:cNvSpPr>
+            <a:spLocks noGrp="1"/>
+          </p:cNvSpPr>
+          <p:nvPr>
+            <p:ph type="title"/>
+          </p:nvPr>
+        </p:nvSpPr>
+        <p:spPr>
+          <a:xfrm>
+            <a:off x="2209800" y="304800"/>
+            <a:ext cx="4572000" cy="838200"/>
+          </a:xfrm>
+        </p:spPr>
+        <p:txBody>
+          <a:bodyPr>
+            <a:noAutofit/>
+          </a:bodyPr>
+          <a:lstStyle/>
+          <a:p>
+            <a:pPr algn="ctr"/>
+            <a:r>
+              <a:rPr lang="en-US" sz="4000" b="1" u="sng" dirty="0" smtClean="0"/>
+              <a:t>INPUT DATA</a:t>
+            </a:r>
+            <a:endParaRPr lang="en-US" sz="4000" b="1" u="sng" dirty="0"/>
+          </a:p>
+        </p:txBody>
+      </p:sp>
+      <p:sp>
+        <p:nvSpPr>
+          <p:cNvPr id="3" name="Content Placeholder 2"/>
+          <p:cNvSpPr>
+            <a:spLocks noGrp="1"/>
+          </p:cNvSpPr>
+          <p:nvPr>
+            <p:ph sz="quarter" idx="1"/>
+          </p:nvPr>
+        </p:nvSpPr>
+        <p:spPr>
+          <a:xfrm>
+            <a:off x="0" y="1295400"/>
+            <a:ext cx="8763000" cy="1905000"/>
+          </a:xfrm>
+        </p:spPr>
+        <p:txBody>
+          <a:bodyPr>
+            <a:normAutofit fontScale="92500" lnSpcReduction="10000"/>
+          </a:bodyPr>
+          <a:lstStyle/>
+          <a:p>
+            <a:pPr>
+              <a:buNone/>
+            </a:pPr>
+            <a:r>
+              <a:rPr lang="en-US" dirty="0" smtClean="0"/>
+              <a:t>    Input Data is defined by a set of trips, constraints, the average time for vehicle to move from one point to the next one and the average loading time for each vehicle in DC and the average unloading time for each shop in the route are defined. Constraints may include truck capacity constraints and delivery time constraints.</a:t>
+            </a:r>
+          </a:p>
+          <a:p>
+            <a:pPr>
+              <a:buNone/>
+            </a:pPr>
+            <a:endParaRPr lang="en-US" dirty="0" smtClean="0"/>
+          </a:p>
+          <a:p>
+            <a:pPr>
+              <a:buNone/>
+            </a:pPr>
+            <a:endParaRPr lang="en-US" dirty="0" smtClean="0"/>
+          </a:p>
+          <a:p>
+            <a:pPr>
+              <a:buNone/>
+            </a:pPr>
+            <a:endParaRPr lang="en-US" dirty="0"/>
+          </a:p>
+        </p:txBody>
+      </p:sp>
+      <p:pic>
+        <p:nvPicPr>
+          <p:cNvPr id="8" name="Picture 7"/>
+          <p:cNvPicPr/>
           <p:nvPr/>
-        </p:nvSpPr>
-        <p:spPr>
-          <a:xfrm>
-            <a:off x="228600" y="4876800"/>
-            <a:ext cx="3048000" cy="655638"/>
+        </p:nvPicPr>
+        <p:blipFill>
+          <a:blip r:embed="rId2" cstate="print"/>
+          <a:srcRect l="12471" t="58349" r="30833" b="19909"/>
+          <a:stretch>
+            <a:fillRect/>
+          </a:stretch>
+        </p:blipFill>
+        <p:spPr bwMode="auto">
+          <a:xfrm>
+            <a:off x="381000" y="3360627"/>
+            <a:ext cx="8305800" cy="1897173"/>
           </a:xfrm>
           <a:prstGeom prst="rect">
             <a:avLst/>
           </a:prstGeom>
+          <a:noFill/>
+          <a:ln w="9525">
+            <a:solidFill>
+              <a:schemeClr val="accent1"/>
+            </a:solidFill>
+            <a:miter lim="800000"/>
+            <a:headEnd/>
+            <a:tailEnd/>
+          </a:ln>
+        </p:spPr>
+      </p:pic>
+      <p:sp>
+        <p:nvSpPr>
+          <p:cNvPr id="9" name="TextBox 8"/>
+          <p:cNvSpPr txBox="1"/>
+          <p:nvPr/>
+        </p:nvSpPr>
+        <p:spPr>
+          <a:xfrm>
+            <a:off x="2895600" y="5257800"/>
+            <a:ext cx="2895600" cy="338554"/>
+          </a:xfrm>
+          <a:prstGeom prst="rect">
+            <a:avLst/>
+          </a:prstGeom>
+          <a:noFill/>
+        </p:spPr>
+        <p:txBody>
+          <a:bodyPr wrap="square" rtlCol="0">
+            <a:spAutoFit/>
+          </a:bodyPr>
+          <a:lstStyle/>
+          <a:p>
+            <a:pPr algn="ctr"/>
+            <a:r>
+              <a:rPr lang="en-US" sz="1600" i="1" dirty="0" smtClean="0"/>
+              <a:t>Sample Input Data</a:t>
+            </a:r>
+            <a:endParaRPr lang="en-US" sz="1600" i="1" dirty="0"/>
+          </a:p>
+        </p:txBody>
+      </p:sp>
+    </p:spTree>
+  </p:cSld>
+  <p:clrMapOvr>
+    <a:masterClrMapping/>
+  </p:clrMapOvr>
+  <p:transition spd="med">
+    <p:fade thruBlk="1"/>
+  </p:transition>
+  <p:timing>
+    <p:tnLst>
+      <p:par>
+        <p:cTn id="1" dur="indefinite" restart="never" nodeType="tmRoot"/>
+      </p:par>
+    </p:tnLst>
+  </p:timing>
+</p:sld>
+</file>
+
+<file path=ppt/slides/slide4.xml><?xml version="1.0" encoding="utf-8"?>
+<p:sld xmlns:a="http://schemas.openxmlformats.org/drawingml/2006/main" xmlns:r="http://schemas.openxmlformats.org/officeDocument/2006/relationships" xmlns:p="http://schemas.openxmlformats.org/presentationml/2006/main">
+  <p:cSld>
+    <p:spTree>
+      <p:nvGrpSpPr>
+        <p:cNvPr id="1" name=""/>
+        <p:cNvGrpSpPr/>
+        <p:nvPr/>
+      </p:nvGrpSpPr>
+      <p:grpSpPr>
+        <a:xfrm>
+          <a:off x="0" y="0"/>
+          <a:ext cx="0" cy="0"/>
+          <a:chOff x="0" y="0"/>
+          <a:chExt cx="0" cy="0"/>
+        </a:xfrm>
+      </p:grpSpPr>
+      <p:sp>
+        <p:nvSpPr>
+          <p:cNvPr id="4" name="Title 1"/>
+          <p:cNvSpPr txBox="1">
+            <a:spLocks/>
+          </p:cNvSpPr>
+          <p:nvPr/>
+        </p:nvSpPr>
+        <p:spPr>
+          <a:xfrm>
+            <a:off x="1295400" y="381000"/>
+            <a:ext cx="3581400" cy="655638"/>
+          </a:xfrm>
+          <a:prstGeom prst="rect">
+            <a:avLst/>
+          </a:prstGeom>
         </p:spPr>
         <p:txBody>
           <a:bodyPr vert="horz" anchor="b">
-            <a:normAutofit/>
+            <a:noAutofit/>
           </a:bodyPr>
           <a:lstStyle/>
           <a:p>
-            <a:pPr marL="0" marR="0" lvl="0" indent="0" algn="l" defTabSz="914400" rtl="0" eaLnBrk="1" fontAlgn="auto" latinLnBrk="0" hangingPunct="1">
+            <a:pPr marL="0" marR="0" lvl="0" indent="0" algn="ctr" defTabSz="914400" rtl="0" eaLnBrk="1" fontAlgn="auto" latinLnBrk="0" hangingPunct="1">
               <a:lnSpc>
                 <a:spcPct val="100000"/>
               </a:lnSpc>
@@ -6028,7 +6402,7 @@
               <a:defRPr/>
             </a:pPr>
             <a:r>
-              <a:rPr lang="en-US" sz="3000" cap="small" dirty="0" smtClean="0">
+              <a:rPr lang="en-US" sz="3200" b="1" u="sng" cap="small" noProof="0" dirty="0" smtClean="0">
                 <a:solidFill>
                   <a:schemeClr val="tx2"/>
                 </a:solidFill>
@@ -6036,9 +6410,26 @@
                 <a:ea typeface="+mj-ea"/>
                 <a:cs typeface="+mj-cs"/>
               </a:rPr>
-              <a:t>CONCLUSION</a:t>
-            </a:r>
-            <a:endParaRPr kumimoji="0" lang="en-US" sz="3000" b="0" i="0" u="none" strike="noStrike" kern="1200" cap="small" spc="0" normalizeH="0" baseline="0" noProof="0" dirty="0">
+              <a:t>OUT</a:t>
+            </a:r>
+            <a:r>
+              <a:rPr kumimoji="0" lang="en-US" sz="3200" b="1" i="0" u="sng" strike="noStrike" kern="1200" cap="small" spc="0" normalizeH="0" baseline="0" noProof="0" dirty="0" smtClean="0">
+                <a:ln>
+                  <a:noFill/>
+                </a:ln>
+                <a:solidFill>
+                  <a:schemeClr val="tx2"/>
+                </a:solidFill>
+                <a:effectLst/>
+                <a:uLnTx/>
+                <a:uFillTx/>
+                <a:latin typeface="+mj-lt"/>
+                <a:ea typeface="+mj-ea"/>
+                <a:cs typeface="+mj-cs"/>
+              </a:rPr>
+              <a:t>PUT DATA</a:t>
+            </a:r>
+            <a:endParaRPr kumimoji="0" lang="en-US" sz="3200" b="1" i="0" u="sng" strike="noStrike" kern="1200" cap="small" spc="0" normalizeH="0" baseline="0" noProof="0" dirty="0">
               <a:ln>
                 <a:noFill/>
               </a:ln>
@@ -6057,7 +6448,7 @@
       </p:sp>
       <p:sp>
         <p:nvSpPr>
-          <p:cNvPr id="7" name="Content Placeholder 2"/>
+          <p:cNvPr id="5" name="Content Placeholder 2"/>
           <p:cNvSpPr txBox="1">
             <a:spLocks/>
           </p:cNvSpPr>
@@ -6065,8 +6456,8 @@
         </p:nvSpPr>
         <p:spPr>
           <a:xfrm>
-            <a:off x="0" y="5410200"/>
-            <a:ext cx="8229600" cy="1219200"/>
+            <a:off x="1066800" y="1066800"/>
+            <a:ext cx="6248400" cy="2133600"/>
           </a:xfrm>
           <a:prstGeom prst="rect">
             <a:avLst/>
@@ -6106,8 +6497,32 @@
             </a:r>
             <a:r>
               <a:rPr lang="en-US" sz="2200" dirty="0" smtClean="0"/>
-              <a:t>The visualization of vehicle and distribution centre utilization combined with statistical data can be used by expert to redefine vehicle schedule.</a:t>
-            </a:r>
+              <a:t>The model also has to generate Gantt chart representing the vehicle schedule to be further analyzed by a planner. It also has to generate a statistical report denoting vehicle utilization and idle time.</a:t>
+            </a:r>
+          </a:p>
+          <a:p>
+            <a:pPr marL="274320" indent="-274320">
+              <a:spcBef>
+                <a:spcPts val="600"/>
+              </a:spcBef>
+              <a:buClr>
+                <a:schemeClr val="accent1"/>
+              </a:buClr>
+              <a:buSzPct val="70000"/>
+            </a:pPr>
+            <a:endParaRPr lang="en-US" sz="2200" dirty="0" smtClean="0"/>
+          </a:p>
+          <a:p>
+            <a:pPr marL="274320" indent="-274320">
+              <a:spcBef>
+                <a:spcPts val="600"/>
+              </a:spcBef>
+              <a:buClr>
+                <a:schemeClr val="accent1"/>
+              </a:buClr>
+              <a:buSzPct val="70000"/>
+            </a:pPr>
+            <a:endParaRPr lang="en-US" sz="2200" dirty="0" smtClean="0"/>
           </a:p>
           <a:p>
             <a:pPr marL="274320" marR="0" lvl="0" indent="-274320" algn="l" defTabSz="914400" rtl="0" eaLnBrk="1" fontAlgn="auto" latinLnBrk="0" hangingPunct="1">
@@ -6146,344 +6561,110 @@
           </a:p>
         </p:txBody>
       </p:sp>
+      <p:sp>
+        <p:nvSpPr>
+          <p:cNvPr id="6" name="Title 1"/>
+          <p:cNvSpPr txBox="1">
+            <a:spLocks/>
+          </p:cNvSpPr>
+          <p:nvPr/>
+        </p:nvSpPr>
+        <p:spPr>
+          <a:xfrm>
+            <a:off x="1219200" y="3276600"/>
+            <a:ext cx="4724400" cy="655638"/>
+          </a:xfrm>
+          <a:prstGeom prst="rect">
+            <a:avLst/>
+          </a:prstGeom>
+        </p:spPr>
+        <p:txBody>
+          <a:bodyPr vert="horz" anchor="b">
+            <a:normAutofit/>
+          </a:bodyPr>
+          <a:lstStyle/>
+          <a:p>
+            <a:pPr marL="0" marR="0" lvl="0" indent="0" algn="ctr" defTabSz="914400" rtl="0" eaLnBrk="1" fontAlgn="auto" latinLnBrk="0" hangingPunct="1">
+              <a:lnSpc>
+                <a:spcPct val="100000"/>
+              </a:lnSpc>
+              <a:spcBef>
+                <a:spcPct val="0"/>
+              </a:spcBef>
+              <a:spcAft>
+                <a:spcPts val="0"/>
+              </a:spcAft>
+              <a:buClrTx/>
+              <a:buSzTx/>
+              <a:buFontTx/>
+              <a:buNone/>
+              <a:tabLst/>
+              <a:defRPr/>
+            </a:pPr>
+            <a:r>
+              <a:rPr lang="en-US" sz="3000" b="1" u="sng" cap="small" dirty="0" smtClean="0">
+                <a:solidFill>
+                  <a:schemeClr val="tx2"/>
+                </a:solidFill>
+                <a:latin typeface="+mj-lt"/>
+                <a:ea typeface="+mj-ea"/>
+                <a:cs typeface="+mj-cs"/>
+              </a:rPr>
+              <a:t>MODEL DIMENSION</a:t>
+            </a:r>
+            <a:endParaRPr kumimoji="0" lang="en-US" sz="3000" b="1" i="0" u="sng" strike="noStrike" kern="1200" cap="small" spc="0" normalizeH="0" baseline="0" noProof="0" dirty="0">
+              <a:ln>
+                <a:noFill/>
+              </a:ln>
+              <a:solidFill>
+                <a:schemeClr val="tx2"/>
+              </a:solidFill>
+              <a:effectLst/>
+              <a:uLnTx/>
+              <a:uFillTx/>
+              <a:latin typeface="+mj-lt"/>
+              <a:ea typeface="+mj-ea"/>
+              <a:cs typeface="+mj-cs"/>
+            </a:endParaRPr>
+          </a:p>
+        </p:txBody>
+      </p:sp>
+      <p:sp>
+        <p:nvSpPr>
+          <p:cNvPr id="8" name="TextBox 7"/>
+          <p:cNvSpPr txBox="1"/>
+          <p:nvPr/>
+        </p:nvSpPr>
+        <p:spPr>
+          <a:xfrm>
+            <a:off x="1371600" y="4149804"/>
+            <a:ext cx="5257800" cy="1107996"/>
+          </a:xfrm>
+          <a:prstGeom prst="rect">
+            <a:avLst/>
+          </a:prstGeom>
+          <a:noFill/>
+        </p:spPr>
+        <p:txBody>
+          <a:bodyPr wrap="square" rtlCol="0">
+            <a:spAutoFit/>
+          </a:bodyPr>
+          <a:lstStyle/>
+          <a:p>
+            <a:r>
+              <a:rPr lang="en-US" sz="2200" dirty="0" smtClean="0"/>
+              <a:t>For simplification, the task dimension in the paper is reduced. The number of vehicles is equal to 6</a:t>
+            </a:r>
+          </a:p>
+        </p:txBody>
+      </p:sp>
     </p:spTree>
   </p:cSld>
   <p:clrMapOvr>
     <a:masterClrMapping/>
   </p:clrMapOvr>
   <p:transition spd="med">
-    <p:fade/>
-  </p:transition>
-  <p:timing>
-    <p:tnLst>
-      <p:par>
-        <p:cTn id="1" dur="indefinite" restart="never" nodeType="tmRoot"/>
-      </p:par>
-    </p:tnLst>
-  </p:timing>
-</p:sld>
-</file>
-
-<file path=ppt/slides/slide4.xml><?xml version="1.0" encoding="utf-8"?>
-<p:sld xmlns:a="http://schemas.openxmlformats.org/drawingml/2006/main" xmlns:r="http://schemas.openxmlformats.org/officeDocument/2006/relationships" xmlns:p="http://schemas.openxmlformats.org/presentationml/2006/main">
-  <p:cSld>
-    <p:spTree>
-      <p:nvGrpSpPr>
-        <p:cNvPr id="1" name=""/>
-        <p:cNvGrpSpPr/>
-        <p:nvPr/>
-      </p:nvGrpSpPr>
-      <p:grpSpPr>
-        <a:xfrm>
-          <a:off x="0" y="0"/>
-          <a:ext cx="0" cy="0"/>
-          <a:chOff x="0" y="0"/>
-          <a:chExt cx="0" cy="0"/>
-        </a:xfrm>
-      </p:grpSpPr>
-      <p:sp>
-        <p:nvSpPr>
-          <p:cNvPr id="2" name="Title 1"/>
-          <p:cNvSpPr>
-            <a:spLocks noGrp="1"/>
-          </p:cNvSpPr>
-          <p:nvPr>
-            <p:ph type="title"/>
-          </p:nvPr>
-        </p:nvSpPr>
-        <p:spPr>
-          <a:xfrm>
-            <a:off x="152400" y="274638"/>
-            <a:ext cx="8610600" cy="1325562"/>
-          </a:xfrm>
-        </p:spPr>
-        <p:txBody>
-          <a:bodyPr>
-            <a:noAutofit/>
-          </a:bodyPr>
-          <a:lstStyle/>
-          <a:p>
-            <a:pPr algn="ctr"/>
-            <a:r>
-              <a:rPr lang="en-US" sz="4000" b="1" dirty="0" smtClean="0"/>
-              <a:t>DIFFERENT STATES</a:t>
-            </a:r>
-            <a:br>
-              <a:rPr lang="en-US" sz="4000" b="1" dirty="0" smtClean="0"/>
-            </a:br>
-            <a:r>
-              <a:rPr lang="en-US" sz="4000" b="1" dirty="0" smtClean="0"/>
-              <a:t>OF VEHICLES</a:t>
-            </a:r>
-            <a:endParaRPr lang="en-US" sz="4000" b="1" dirty="0"/>
-          </a:p>
-        </p:txBody>
-      </p:sp>
-      <p:sp>
-        <p:nvSpPr>
-          <p:cNvPr id="3" name="Content Placeholder 2"/>
-          <p:cNvSpPr>
-            <a:spLocks noGrp="1"/>
-          </p:cNvSpPr>
-          <p:nvPr>
-            <p:ph sz="quarter" idx="1"/>
-          </p:nvPr>
-        </p:nvSpPr>
-        <p:spPr/>
-        <p:txBody>
-          <a:bodyPr>
-            <a:normAutofit lnSpcReduction="10000"/>
-          </a:bodyPr>
-          <a:lstStyle/>
-          <a:p>
-            <a:pPr lvl="0"/>
-            <a:r>
-              <a:rPr lang="en-US" b="1" dirty="0" smtClean="0">
-                <a:solidFill>
-                  <a:schemeClr val="tx1">
-                    <a:lumMod val="50000"/>
-                    <a:lumOff val="50000"/>
-                  </a:schemeClr>
-                </a:solidFill>
-              </a:rPr>
-              <a:t>Enter</a:t>
-            </a:r>
-          </a:p>
-          <a:p>
-            <a:pPr lvl="0"/>
-            <a:r>
-              <a:rPr lang="en-US" b="1" dirty="0" smtClean="0">
-                <a:solidFill>
-                  <a:schemeClr val="tx1">
-                    <a:lumMod val="50000"/>
-                    <a:lumOff val="50000"/>
-                  </a:schemeClr>
-                </a:solidFill>
-              </a:rPr>
-              <a:t>Parking</a:t>
-            </a:r>
-          </a:p>
-          <a:p>
-            <a:pPr lvl="0"/>
-            <a:r>
-              <a:rPr lang="en-US" b="1" dirty="0" smtClean="0">
-                <a:solidFill>
-                  <a:srgbClr val="00B050"/>
-                </a:solidFill>
-              </a:rPr>
-              <a:t>Loading</a:t>
-            </a:r>
-          </a:p>
-          <a:p>
-            <a:r>
-              <a:rPr lang="en-US" b="1" dirty="0" smtClean="0">
-                <a:solidFill>
-                  <a:srgbClr val="0070C0"/>
-                </a:solidFill>
-              </a:rPr>
-              <a:t>Moving</a:t>
-            </a:r>
-          </a:p>
-          <a:p>
-            <a:pPr lvl="0"/>
-            <a:r>
-              <a:rPr lang="en-US" b="1" dirty="0" smtClean="0">
-                <a:solidFill>
-                  <a:schemeClr val="accent3">
-                    <a:lumMod val="75000"/>
-                  </a:schemeClr>
-                </a:solidFill>
-              </a:rPr>
-              <a:t>Unloading</a:t>
-            </a:r>
-            <a:r>
-              <a:rPr lang="en-US" b="1" dirty="0" smtClean="0"/>
-              <a:t> </a:t>
-            </a:r>
-          </a:p>
-          <a:p>
-            <a:pPr lvl="0"/>
-            <a:r>
-              <a:rPr lang="en-US" b="1" dirty="0" smtClean="0">
-                <a:solidFill>
-                  <a:srgbClr val="0070C0"/>
-                </a:solidFill>
-              </a:rPr>
-              <a:t>Moving Back</a:t>
-            </a:r>
-          </a:p>
-          <a:p>
-            <a:r>
-              <a:rPr lang="en-US" b="1" dirty="0" smtClean="0">
-                <a:solidFill>
-                  <a:schemeClr val="tx1">
-                    <a:lumMod val="50000"/>
-                    <a:lumOff val="50000"/>
-                  </a:schemeClr>
-                </a:solidFill>
-              </a:rPr>
-              <a:t>Return</a:t>
-            </a:r>
-          </a:p>
-          <a:p>
-            <a:r>
-              <a:rPr lang="en-US" b="1" dirty="0" smtClean="0">
-                <a:solidFill>
-                  <a:schemeClr val="tx1">
-                    <a:lumMod val="50000"/>
-                    <a:lumOff val="50000"/>
-                  </a:schemeClr>
-                </a:solidFill>
-              </a:rPr>
-              <a:t>Exit</a:t>
-            </a:r>
-          </a:p>
-          <a:p>
-            <a:pPr lvl="0"/>
-            <a:endParaRPr lang="en-US" b="1" dirty="0" smtClean="0">
-              <a:solidFill>
-                <a:schemeClr val="bg1">
-                  <a:lumMod val="65000"/>
-                </a:schemeClr>
-              </a:solidFill>
-            </a:endParaRPr>
-          </a:p>
-          <a:p>
-            <a:pPr lvl="0">
-              <a:buNone/>
-            </a:pPr>
-            <a:r>
-              <a:rPr lang="en-US" b="1" dirty="0" smtClean="0"/>
-              <a:t>COLOR CODES ARE:</a:t>
-            </a:r>
-            <a:r>
-              <a:rPr lang="en-US" b="1" dirty="0" smtClean="0">
-                <a:solidFill>
-                  <a:schemeClr val="bg1">
-                    <a:lumMod val="65000"/>
-                  </a:schemeClr>
-                </a:solidFill>
-              </a:rPr>
-              <a:t> </a:t>
-            </a:r>
-          </a:p>
-          <a:p>
-            <a:pPr lvl="0">
-              <a:buNone/>
-            </a:pPr>
-            <a:r>
-              <a:rPr lang="en-US" b="1" dirty="0" smtClean="0">
-                <a:solidFill>
-                  <a:schemeClr val="bg1">
-                    <a:lumMod val="65000"/>
-                  </a:schemeClr>
-                </a:solidFill>
-              </a:rPr>
-              <a:t>   </a:t>
-            </a:r>
-            <a:r>
-              <a:rPr lang="en-US" b="1" dirty="0" smtClean="0">
-                <a:solidFill>
-                  <a:schemeClr val="tx1">
-                    <a:lumMod val="50000"/>
-                    <a:lumOff val="50000"/>
-                  </a:schemeClr>
-                </a:solidFill>
-              </a:rPr>
-              <a:t>GREY- IDLE</a:t>
-            </a:r>
-            <a:r>
-              <a:rPr lang="en-US" b="1" dirty="0" smtClean="0">
-                <a:solidFill>
-                  <a:schemeClr val="bg1">
-                    <a:lumMod val="65000"/>
-                  </a:schemeClr>
-                </a:solidFill>
-              </a:rPr>
-              <a:t>, </a:t>
-            </a:r>
-            <a:r>
-              <a:rPr lang="en-US" b="1" dirty="0" smtClean="0">
-                <a:solidFill>
-                  <a:srgbClr val="0070C0"/>
-                </a:solidFill>
-              </a:rPr>
-              <a:t>BLUE- MOVING</a:t>
-            </a:r>
-            <a:r>
-              <a:rPr lang="en-US" b="1" dirty="0" smtClean="0">
-                <a:solidFill>
-                  <a:srgbClr val="00B050"/>
-                </a:solidFill>
-              </a:rPr>
-              <a:t>, GREEN- LOADING</a:t>
-            </a:r>
-            <a:r>
-              <a:rPr lang="en-US" b="1" dirty="0" smtClean="0">
-                <a:solidFill>
-                  <a:schemeClr val="bg1">
-                    <a:lumMod val="65000"/>
-                  </a:schemeClr>
-                </a:solidFill>
-              </a:rPr>
-              <a:t>, </a:t>
-            </a:r>
-            <a:r>
-              <a:rPr lang="en-US" b="1" dirty="0" smtClean="0">
-                <a:solidFill>
-                  <a:schemeClr val="accent3">
-                    <a:lumMod val="75000"/>
-                  </a:schemeClr>
-                </a:solidFill>
-              </a:rPr>
-              <a:t>UNLOADING- MAROON/RED</a:t>
-            </a:r>
-          </a:p>
-          <a:p>
-            <a:pPr>
-              <a:buNone/>
-            </a:pPr>
-            <a:endParaRPr lang="en-US" dirty="0"/>
-          </a:p>
-        </p:txBody>
-      </p:sp>
-      <p:pic>
-        <p:nvPicPr>
-          <p:cNvPr id="4" name="Picture 3"/>
-          <p:cNvPicPr/>
-          <p:nvPr/>
-        </p:nvPicPr>
-        <p:blipFill>
-          <a:blip r:embed="rId2" cstate="print"/>
-          <a:srcRect l="56821" t="41005" r="20449" b="8963"/>
-          <a:stretch>
-            <a:fillRect/>
-          </a:stretch>
-        </p:blipFill>
-        <p:spPr bwMode="auto">
-          <a:xfrm>
-            <a:off x="4495800" y="1600200"/>
-            <a:ext cx="4038600" cy="3962400"/>
-          </a:xfrm>
-          <a:prstGeom prst="rect">
-            <a:avLst/>
-          </a:prstGeom>
-          <a:noFill/>
-          <a:ln w="9525">
-            <a:noFill/>
-            <a:miter lim="800000"/>
-            <a:headEnd/>
-            <a:tailEnd/>
-          </a:ln>
-        </p:spPr>
-      </p:pic>
-    </p:spTree>
-  </p:cSld>
-  <p:clrMapOvr>
-    <a:masterClrMapping/>
-  </p:clrMapOvr>
-  <p:transition spd="med">
-    <p:fade/>
+    <p:fade thruBlk="1"/>
   </p:transition>
   <p:timing>
     <p:tnLst>
@@ -6522,73 +6703,299 @@
             <p:ph type="title"/>
           </p:nvPr>
         </p:nvSpPr>
+        <p:spPr>
+          <a:xfrm>
+            <a:off x="152400" y="274638"/>
+            <a:ext cx="8610600" cy="1325562"/>
+          </a:xfrm>
+        </p:spPr>
+        <p:txBody>
+          <a:bodyPr>
+            <a:noAutofit/>
+          </a:bodyPr>
+          <a:lstStyle/>
+          <a:p>
+            <a:pPr algn="ctr"/>
+            <a:r>
+              <a:rPr lang="en-US" sz="4000" b="1" dirty="0" smtClean="0"/>
+              <a:t>DIFFERENT STATES</a:t>
+            </a:r>
+            <a:br>
+              <a:rPr lang="en-US" sz="4000" b="1" dirty="0" smtClean="0"/>
+            </a:br>
+            <a:r>
+              <a:rPr lang="en-US" sz="4000" b="1" dirty="0" smtClean="0"/>
+              <a:t>OF VEHICLES</a:t>
+            </a:r>
+            <a:endParaRPr lang="en-US" sz="4000" b="1" dirty="0"/>
+          </a:p>
+        </p:txBody>
+      </p:sp>
+      <p:sp>
+        <p:nvSpPr>
+          <p:cNvPr id="3" name="Content Placeholder 2"/>
+          <p:cNvSpPr>
+            <a:spLocks noGrp="1"/>
+          </p:cNvSpPr>
+          <p:nvPr>
+            <p:ph sz="quarter" idx="1"/>
+          </p:nvPr>
+        </p:nvSpPr>
         <p:spPr/>
         <p:txBody>
           <a:bodyPr>
-            <a:normAutofit/>
+            <a:normAutofit lnSpcReduction="10000"/>
           </a:bodyPr>
           <a:lstStyle/>
           <a:p>
-            <a:pPr algn="ctr"/>
-            <a:r>
-              <a:rPr lang="en-US" sz="4400" b="1" u="sng" dirty="0" smtClean="0"/>
-              <a:t>MY WORK TILL NOW</a:t>
-            </a:r>
-            <a:endParaRPr lang="en-US" sz="4400" b="1" u="sng" dirty="0"/>
-          </a:p>
-        </p:txBody>
-      </p:sp>
-      <p:sp>
-        <p:nvSpPr>
-          <p:cNvPr id="3" name="Content Placeholder 2"/>
-          <p:cNvSpPr>
-            <a:spLocks noGrp="1"/>
-          </p:cNvSpPr>
-          <p:nvPr>
-            <p:ph sz="quarter" idx="1"/>
-          </p:nvPr>
-        </p:nvSpPr>
-        <p:spPr/>
-        <p:txBody>
-          <a:bodyPr/>
-          <a:lstStyle/>
-          <a:p>
-            <a:r>
-              <a:rPr lang="en-US" dirty="0" smtClean="0"/>
-              <a:t>Learnt basics of python and it’s various libraries like Matplotlib, NumPy etc.</a:t>
-            </a:r>
-          </a:p>
-          <a:p>
-            <a:r>
-              <a:rPr lang="en-US" dirty="0" smtClean="0"/>
-              <a:t>Coded a program to generate Gantt Chart in python for different schedules of vehicles for comparative analysis and simulation study. Code for python Program for creating models and Gantt Charts:-</a:t>
-            </a:r>
-            <a:r>
-              <a:rPr lang="en-US" u="sng" dirty="0" smtClean="0">
-                <a:hlinkClick r:id="rId2"/>
+            <a:pPr lvl="0"/>
+            <a:r>
+              <a:rPr lang="en-US" b="1" dirty="0" smtClean="0">
+                <a:solidFill>
+                  <a:schemeClr val="tx1">
+                    <a:lumMod val="50000"/>
+                    <a:lumOff val="50000"/>
+                  </a:schemeClr>
+                </a:solidFill>
               </a:rPr>
-              <a:t>https://github.com/MuskanGupta1503/Modelling-and-Simulation</a:t>
-            </a:r>
-            <a:endParaRPr lang="en-US" dirty="0" smtClean="0"/>
-          </a:p>
-          <a:p>
-            <a:r>
-              <a:rPr lang="en-US" dirty="0" smtClean="0"/>
-              <a:t>Implemented it too on MS Excel and prepared my models and Gantt chart there too.     </a:t>
-            </a:r>
-          </a:p>
-          <a:p>
+              <a:t>Enter</a:t>
+            </a:r>
+          </a:p>
+          <a:p>
+            <a:pPr lvl="0"/>
+            <a:r>
+              <a:rPr lang="en-US" b="1" dirty="0" smtClean="0">
+                <a:solidFill>
+                  <a:schemeClr val="tx1">
+                    <a:lumMod val="50000"/>
+                    <a:lumOff val="50000"/>
+                  </a:schemeClr>
+                </a:solidFill>
+              </a:rPr>
+              <a:t>Parking</a:t>
+            </a:r>
+          </a:p>
+          <a:p>
+            <a:pPr lvl="0"/>
+            <a:r>
+              <a:rPr lang="en-US" b="1" dirty="0" smtClean="0">
+                <a:solidFill>
+                  <a:srgbClr val="00B050"/>
+                </a:solidFill>
+              </a:rPr>
+              <a:t>Loading</a:t>
+            </a:r>
+          </a:p>
+          <a:p>
+            <a:r>
+              <a:rPr lang="en-US" b="1" dirty="0" smtClean="0">
+                <a:solidFill>
+                  <a:srgbClr val="0070C0"/>
+                </a:solidFill>
+              </a:rPr>
+              <a:t>Moving</a:t>
+            </a:r>
+          </a:p>
+          <a:p>
+            <a:pPr lvl="0"/>
+            <a:r>
+              <a:rPr lang="en-US" b="1" dirty="0" smtClean="0">
+                <a:solidFill>
+                  <a:schemeClr val="accent3">
+                    <a:lumMod val="75000"/>
+                  </a:schemeClr>
+                </a:solidFill>
+              </a:rPr>
+              <a:t>Unloading</a:t>
+            </a:r>
+            <a:r>
+              <a:rPr lang="en-US" b="1" dirty="0" smtClean="0"/>
+              <a:t> </a:t>
+            </a:r>
+          </a:p>
+          <a:p>
+            <a:pPr lvl="0"/>
+            <a:r>
+              <a:rPr lang="en-US" b="1" dirty="0" smtClean="0">
+                <a:solidFill>
+                  <a:srgbClr val="0070C0"/>
+                </a:solidFill>
+              </a:rPr>
+              <a:t>Moving Back</a:t>
+            </a:r>
+          </a:p>
+          <a:p>
+            <a:r>
+              <a:rPr lang="en-US" b="1" dirty="0" smtClean="0">
+                <a:solidFill>
+                  <a:schemeClr val="tx1">
+                    <a:lumMod val="50000"/>
+                    <a:lumOff val="50000"/>
+                  </a:schemeClr>
+                </a:solidFill>
+              </a:rPr>
+              <a:t>Return</a:t>
+            </a:r>
+          </a:p>
+          <a:p>
+            <a:r>
+              <a:rPr lang="en-US" b="1" dirty="0" smtClean="0">
+                <a:solidFill>
+                  <a:schemeClr val="tx1">
+                    <a:lumMod val="50000"/>
+                    <a:lumOff val="50000"/>
+                  </a:schemeClr>
+                </a:solidFill>
+              </a:rPr>
+              <a:t>Exit</a:t>
+            </a:r>
+          </a:p>
+          <a:p>
+            <a:pPr lvl="0"/>
+            <a:endParaRPr lang="en-US" b="1" dirty="0" smtClean="0">
+              <a:solidFill>
+                <a:schemeClr val="bg1">
+                  <a:lumMod val="65000"/>
+                </a:schemeClr>
+              </a:solidFill>
+            </a:endParaRPr>
+          </a:p>
+          <a:p>
+            <a:pPr lvl="0">
+              <a:buNone/>
+            </a:pPr>
+            <a:r>
+              <a:rPr lang="en-US" b="1" dirty="0" smtClean="0"/>
+              <a:t>COLOR CODES ARE:</a:t>
+            </a:r>
+            <a:r>
+              <a:rPr lang="en-US" b="1" dirty="0" smtClean="0">
+                <a:solidFill>
+                  <a:schemeClr val="bg1">
+                    <a:lumMod val="65000"/>
+                  </a:schemeClr>
+                </a:solidFill>
+              </a:rPr>
+              <a:t> </a:t>
+            </a:r>
+          </a:p>
+          <a:p>
+            <a:pPr lvl="0">
+              <a:buNone/>
+            </a:pPr>
+            <a:r>
+              <a:rPr lang="en-US" b="1" dirty="0" smtClean="0">
+                <a:solidFill>
+                  <a:schemeClr val="bg1">
+                    <a:lumMod val="65000"/>
+                  </a:schemeClr>
+                </a:solidFill>
+              </a:rPr>
+              <a:t>   </a:t>
+            </a:r>
+            <a:r>
+              <a:rPr lang="en-US" b="1" dirty="0" smtClean="0">
+                <a:solidFill>
+                  <a:schemeClr val="tx1">
+                    <a:lumMod val="50000"/>
+                    <a:lumOff val="50000"/>
+                  </a:schemeClr>
+                </a:solidFill>
+              </a:rPr>
+              <a:t>GREY- IDLE</a:t>
+            </a:r>
+            <a:r>
+              <a:rPr lang="en-US" b="1" dirty="0" smtClean="0">
+                <a:solidFill>
+                  <a:schemeClr val="bg1">
+                    <a:lumMod val="65000"/>
+                  </a:schemeClr>
+                </a:solidFill>
+              </a:rPr>
+              <a:t>, </a:t>
+            </a:r>
+            <a:r>
+              <a:rPr lang="en-US" b="1" dirty="0" smtClean="0">
+                <a:solidFill>
+                  <a:srgbClr val="0070C0"/>
+                </a:solidFill>
+              </a:rPr>
+              <a:t>BLUE- MOVING</a:t>
+            </a:r>
+            <a:r>
+              <a:rPr lang="en-US" b="1" dirty="0" smtClean="0">
+                <a:solidFill>
+                  <a:srgbClr val="00B050"/>
+                </a:solidFill>
+              </a:rPr>
+              <a:t>, GREEN- LOADING</a:t>
+            </a:r>
+            <a:r>
+              <a:rPr lang="en-US" b="1" dirty="0" smtClean="0">
+                <a:solidFill>
+                  <a:schemeClr val="bg1">
+                    <a:lumMod val="65000"/>
+                  </a:schemeClr>
+                </a:solidFill>
+              </a:rPr>
+              <a:t>, </a:t>
+            </a:r>
+            <a:r>
+              <a:rPr lang="en-US" b="1" dirty="0" smtClean="0">
+                <a:solidFill>
+                  <a:schemeClr val="accent3">
+                    <a:lumMod val="75000"/>
+                  </a:schemeClr>
+                </a:solidFill>
+              </a:rPr>
+              <a:t>UNLOADING- MAROON/RED</a:t>
+            </a:r>
+          </a:p>
+          <a:p>
+            <a:pPr>
+              <a:buNone/>
+            </a:pPr>
             <a:endParaRPr lang="en-US" dirty="0"/>
           </a:p>
         </p:txBody>
       </p:sp>
+      <p:pic>
+        <p:nvPicPr>
+          <p:cNvPr id="4" name="Picture 3"/>
+          <p:cNvPicPr/>
+          <p:nvPr/>
+        </p:nvPicPr>
+        <p:blipFill>
+          <a:blip r:embed="rId2" cstate="print"/>
+          <a:srcRect l="56821" t="41005" r="20449" b="8963"/>
+          <a:stretch>
+            <a:fillRect/>
+          </a:stretch>
+        </p:blipFill>
+        <p:spPr bwMode="auto">
+          <a:xfrm>
+            <a:off x="4495800" y="1600200"/>
+            <a:ext cx="4038600" cy="3962400"/>
+          </a:xfrm>
+          <a:prstGeom prst="rect">
+            <a:avLst/>
+          </a:prstGeom>
+          <a:noFill/>
+          <a:ln w="9525">
+            <a:noFill/>
+            <a:miter lim="800000"/>
+            <a:headEnd/>
+            <a:tailEnd/>
+          </a:ln>
+        </p:spPr>
+      </p:pic>
     </p:spTree>
   </p:cSld>
   <p:clrMapOvr>
     <a:masterClrMapping/>
   </p:clrMapOvr>
   <p:transition spd="med">
-    <p:fade/>
+    <p:fade thruBlk="1"/>
   </p:transition>
   <p:timing>
     <p:tnLst>
@@ -6629,62 +7036,111 @@
         </p:nvSpPr>
         <p:spPr>
           <a:xfrm>
-            <a:off x="609600" y="0"/>
+            <a:off x="457200" y="152400"/>
             <a:ext cx="7467600" cy="1143000"/>
           </a:xfrm>
         </p:spPr>
         <p:txBody>
           <a:bodyPr>
-            <a:noAutofit/>
+            <a:normAutofit/>
           </a:bodyPr>
           <a:lstStyle/>
           <a:p>
             <a:pPr algn="ctr"/>
             <a:r>
-              <a:rPr lang="en-US" sz="3600" b="1" u="sng" dirty="0" smtClean="0"/>
-              <a:t>SCREENSHOTS OF OUTPUT</a:t>
-            </a:r>
-            <a:endParaRPr lang="en-US" sz="3600" b="1" u="sng" dirty="0"/>
-          </a:p>
-        </p:txBody>
-      </p:sp>
-      <p:pic>
-        <p:nvPicPr>
-          <p:cNvPr id="4" name="Picture 3"/>
-          <p:cNvPicPr/>
-          <p:nvPr/>
-        </p:nvPicPr>
-        <p:blipFill>
-          <a:blip r:embed="rId2" cstate="print"/>
-          <a:srcRect t="3371" r="7907" b="12615"/>
-          <a:stretch>
-            <a:fillRect/>
-          </a:stretch>
-        </p:blipFill>
-        <p:spPr bwMode="auto">
-          <a:xfrm>
-            <a:off x="0" y="1295401"/>
-            <a:ext cx="9144000" cy="5562600"/>
-          </a:xfrm>
-          <a:prstGeom prst="rect">
-            <a:avLst/>
-          </a:prstGeom>
-          <a:noFill/>
-          <a:ln w="9525">
-            <a:noFill/>
-            <a:miter lim="800000"/>
-            <a:headEnd/>
-            <a:tailEnd/>
-          </a:ln>
-        </p:spPr>
-      </p:pic>
+              <a:rPr lang="en-US" sz="4400" b="1" u="sng" dirty="0" smtClean="0"/>
+              <a:t>MODEL BUILDING</a:t>
+            </a:r>
+            <a:endParaRPr lang="en-US" sz="4400" b="1" u="sng" dirty="0"/>
+          </a:p>
+        </p:txBody>
+      </p:sp>
+      <p:sp>
+        <p:nvSpPr>
+          <p:cNvPr id="3" name="Content Placeholder 2"/>
+          <p:cNvSpPr>
+            <a:spLocks noGrp="1"/>
+          </p:cNvSpPr>
+          <p:nvPr>
+            <p:ph sz="quarter" idx="1"/>
+          </p:nvPr>
+        </p:nvSpPr>
+        <p:spPr>
+          <a:xfrm>
+            <a:off x="457200" y="1447800"/>
+            <a:ext cx="8001000" cy="5026152"/>
+          </a:xfrm>
+        </p:spPr>
+        <p:txBody>
+          <a:bodyPr>
+            <a:normAutofit fontScale="92500" lnSpcReduction="20000"/>
+          </a:bodyPr>
+          <a:lstStyle/>
+          <a:p>
+            <a:r>
+              <a:rPr lang="en-US" dirty="0" smtClean="0"/>
+              <a:t>To build the model, I leant basics of python and its various Libraries like </a:t>
+            </a:r>
+            <a:r>
+              <a:rPr lang="en-US" dirty="0" err="1" smtClean="0"/>
+              <a:t>NumPy</a:t>
+            </a:r>
+            <a:r>
+              <a:rPr lang="en-US" dirty="0" smtClean="0"/>
+              <a:t>, </a:t>
+            </a:r>
+            <a:r>
+              <a:rPr lang="en-US" dirty="0" err="1" smtClean="0"/>
+              <a:t>Matplotlib</a:t>
+            </a:r>
+            <a:r>
+              <a:rPr lang="en-US" dirty="0" smtClean="0"/>
+              <a:t> etc. to be able to program the model and implement it. The model has been coded in python in Vs code IDE</a:t>
+            </a:r>
+          </a:p>
+          <a:p>
+            <a:r>
+              <a:rPr lang="en-US" dirty="0" smtClean="0"/>
+              <a:t>Github link for code: - </a:t>
+            </a:r>
+            <a:r>
+              <a:rPr lang="en-US" u="sng" dirty="0" smtClean="0">
+                <a:hlinkClick r:id="rId2"/>
+              </a:rPr>
+              <a:t>https://github.com/MuskanGupta1503/Modelling-and-Simulation/blob/master/Code/index.py</a:t>
+            </a:r>
+            <a:endParaRPr lang="en-US" dirty="0" smtClean="0"/>
+          </a:p>
+          <a:p>
+            <a:r>
+              <a:rPr lang="en-US" dirty="0" smtClean="0"/>
+              <a:t>we generate data using random functionality in python for various trips and states.</a:t>
+            </a:r>
+          </a:p>
+          <a:p>
+            <a:r>
+              <a:rPr lang="en-US" dirty="0" smtClean="0"/>
+              <a:t>We consider a trip where each of the 6 vehicles start from parking state (idle state) and would then load their goods during loading time. </a:t>
+            </a:r>
+          </a:p>
+          <a:p>
+            <a:r>
+              <a:rPr lang="en-US" dirty="0" smtClean="0"/>
+              <a:t>Then they would start their trips. Here we have considered at most 3 trips. We stated at most because random function can generate 0 number as well indicating no trip or idle state. </a:t>
+            </a:r>
+          </a:p>
+          <a:p>
+            <a:endParaRPr lang="en-US" dirty="0"/>
+          </a:p>
+        </p:txBody>
+      </p:sp>
     </p:spTree>
   </p:cSld>
   <p:clrMapOvr>
     <a:masterClrMapping/>
   </p:clrMapOvr>
   <p:transition spd="med">
-    <p:fade/>
+    <p:fade thruBlk="1"/>
   </p:transition>
   <p:timing>
     <p:tnLst>
@@ -6725,7 +7181,7 @@
         </p:nvSpPr>
         <p:spPr>
           <a:xfrm>
-            <a:off x="457200" y="-76200"/>
+            <a:off x="457200" y="-152400"/>
             <a:ext cx="7467600" cy="1143000"/>
           </a:xfrm>
         </p:spPr>
@@ -6738,7 +7194,7 @@
             <a:pPr algn="ctr"/>
             <a:r>
               <a:rPr lang="en-US" sz="4000" b="1" u="sng" dirty="0" smtClean="0"/>
-              <a:t>CONTINUE</a:t>
+              <a:t>MODEL CODE</a:t>
             </a:r>
             <a:endParaRPr lang="en-US" sz="4000" b="1" u="sng" dirty="0"/>
           </a:p>
@@ -6746,41 +7202,85 @@
       </p:sp>
       <p:pic>
         <p:nvPicPr>
-          <p:cNvPr id="4" name="Picture 3"/>
-          <p:cNvPicPr/>
+          <p:cNvPr id="1026" name="Picture 2"/>
+          <p:cNvPicPr>
+            <a:picLocks noChangeAspect="1" noChangeArrowheads="1"/>
+          </p:cNvPicPr>
           <p:nvPr/>
         </p:nvPicPr>
         <p:blipFill>
           <a:blip r:embed="rId2" cstate="print"/>
-          <a:srcRect l="8678" t="12315" r="9469" b="13182"/>
+          <a:srcRect l="15813" t="3125" r="17423" b="6250"/>
           <a:stretch>
             <a:fillRect/>
           </a:stretch>
         </p:blipFill>
         <p:spPr bwMode="auto">
           <a:xfrm>
-            <a:off x="0" y="1143000"/>
-            <a:ext cx="9144000" cy="5715000"/>
+            <a:off x="1168188" y="990600"/>
+            <a:ext cx="6451812" cy="4567125"/>
           </a:xfrm>
           <a:prstGeom prst="rect">
             <a:avLst/>
           </a:prstGeom>
           <a:noFill/>
           <a:ln w="9525">
-            <a:noFill/>
+            <a:solidFill>
+              <a:schemeClr val="accent1"/>
+            </a:solidFill>
             <a:miter lim="800000"/>
             <a:headEnd/>
             <a:tailEnd/>
           </a:ln>
         </p:spPr>
       </p:pic>
+      <p:sp>
+        <p:nvSpPr>
+          <p:cNvPr id="5" name="TextBox 4"/>
+          <p:cNvSpPr txBox="1"/>
+          <p:nvPr/>
+        </p:nvSpPr>
+        <p:spPr>
+          <a:xfrm>
+            <a:off x="1219200" y="5638800"/>
+            <a:ext cx="7162800" cy="923330"/>
+          </a:xfrm>
+          <a:prstGeom prst="rect">
+            <a:avLst/>
+          </a:prstGeom>
+          <a:noFill/>
+        </p:spPr>
+        <p:txBody>
+          <a:bodyPr wrap="square" rtlCol="0">
+            <a:spAutoFit/>
+          </a:bodyPr>
+          <a:lstStyle/>
+          <a:p>
+            <a:r>
+              <a:rPr lang="en-US" dirty="0" smtClean="0"/>
+              <a:t>Link for whole code :- </a:t>
+            </a:r>
+            <a:r>
+              <a:rPr lang="en-US" u="sng" dirty="0" smtClean="0">
+                <a:hlinkClick r:id="rId3"/>
+              </a:rPr>
+              <a:t>https://github.com/MuskanGupta1503/Modelling-and-Simulation/blob/master/Code/index.py</a:t>
+            </a:r>
+            <a:r>
+              <a:rPr lang="en-US" dirty="0" smtClean="0"/>
+              <a:t> </a:t>
+            </a:r>
+            <a:endParaRPr lang="en-US" dirty="0"/>
+          </a:p>
+        </p:txBody>
+      </p:sp>
     </p:spTree>
   </p:cSld>
   <p:clrMapOvr>
     <a:masterClrMapping/>
   </p:clrMapOvr>
   <p:transition spd="med">
-    <p:fade/>
+    <p:fade thruBlk="1"/>
   </p:transition>
   <p:timing>
     <p:tnLst>
@@ -6819,72 +7319,162 @@
             <p:ph type="title"/>
           </p:nvPr>
         </p:nvSpPr>
-        <p:spPr/>
+        <p:spPr>
+          <a:xfrm>
+            <a:off x="609600" y="0"/>
+            <a:ext cx="7467600" cy="1143000"/>
+          </a:xfrm>
+        </p:spPr>
         <p:txBody>
           <a:bodyPr>
-            <a:normAutofit/>
+            <a:noAutofit/>
           </a:bodyPr>
           <a:lstStyle/>
           <a:p>
             <a:pPr algn="ctr"/>
             <a:r>
-              <a:rPr lang="en-US" sz="4400" b="1" dirty="0" smtClean="0"/>
-              <a:t>FUTURE WORK</a:t>
-            </a:r>
-            <a:endParaRPr lang="en-US" sz="4400" b="1" dirty="0"/>
-          </a:p>
-        </p:txBody>
-      </p:sp>
-      <p:sp>
-        <p:nvSpPr>
-          <p:cNvPr id="3" name="Content Placeholder 2"/>
-          <p:cNvSpPr>
-            <a:spLocks noGrp="1"/>
-          </p:cNvSpPr>
-          <p:nvPr>
-            <p:ph sz="quarter" idx="1"/>
-          </p:nvPr>
-        </p:nvSpPr>
-        <p:spPr/>
-        <p:txBody>
-          <a:bodyPr/>
-          <a:lstStyle/>
-          <a:p>
-            <a:pPr lvl="0"/>
-            <a:r>
-              <a:rPr lang="en-US" dirty="0" smtClean="0"/>
-              <a:t>Improving and increasing input data and trying to include more data and constraints like different types of goods, services, trips, shops, constraints and there different categories in order to make it as close to real world scenarios.</a:t>
-            </a:r>
-          </a:p>
-          <a:p>
-            <a:pPr lvl="0"/>
-            <a:r>
-              <a:rPr lang="en-US" dirty="0" smtClean="0"/>
-              <a:t>Trying to learn new and improved technologies for making this model better.</a:t>
-            </a:r>
-          </a:p>
-          <a:p>
-            <a:pPr lvl="0"/>
-            <a:r>
-              <a:rPr lang="en-US" dirty="0" smtClean="0"/>
-              <a:t>Most importantly, preparing statistical report which provides aggregated information about vehicle utilization and idling, this is not shown in model window most probably using python and its libraries. </a:t>
-            </a:r>
-          </a:p>
-          <a:p>
-            <a:pPr>
-              <a:buNone/>
-            </a:pPr>
-            <a:endParaRPr lang="en-US" dirty="0"/>
-          </a:p>
-        </p:txBody>
-      </p:sp>
+              <a:rPr lang="en-US" sz="3600" b="1" u="sng" dirty="0" smtClean="0"/>
+              <a:t>SCREENSHOTS OF OUTPUT</a:t>
+            </a:r>
+            <a:endParaRPr lang="en-US" sz="3600" b="1" u="sng" dirty="0"/>
+          </a:p>
+        </p:txBody>
+      </p:sp>
+      <p:pic>
+        <p:nvPicPr>
+          <p:cNvPr id="4" name="Picture 3"/>
+          <p:cNvPicPr/>
+          <p:nvPr/>
+        </p:nvPicPr>
+        <p:blipFill>
+          <a:blip r:embed="rId2" cstate="print"/>
+          <a:srcRect t="3371" r="7907" b="12615"/>
+          <a:stretch>
+            <a:fillRect/>
+          </a:stretch>
+        </p:blipFill>
+        <p:spPr bwMode="auto">
+          <a:xfrm>
+            <a:off x="0" y="1295401"/>
+            <a:ext cx="9144000" cy="5562600"/>
+          </a:xfrm>
+          <a:prstGeom prst="rect">
+            <a:avLst/>
+          </a:prstGeom>
+          <a:noFill/>
+          <a:ln w="9525">
+            <a:noFill/>
+            <a:miter lim="800000"/>
+            <a:headEnd/>
+            <a:tailEnd/>
+          </a:ln>
+        </p:spPr>
+      </p:pic>
     </p:spTree>
   </p:cSld>
   <p:clrMapOvr>
     <a:masterClrMapping/>
   </p:clrMapOvr>
   <p:transition spd="med">
-    <p:fade/>
+    <p:fade thruBlk="1"/>
+  </p:transition>
+  <p:timing>
+    <p:tnLst>
+      <p:par>
+        <p:cTn id="1" dur="indefinite" restart="never" nodeType="tmRoot"/>
+      </p:par>
+    </p:tnLst>
+  </p:timing>
+</p:sld>
+</file>
+
+<file path=ppt/slides/slide9.xml><?xml version="1.0" encoding="utf-8"?>
+<p:sld xmlns:a="http://schemas.openxmlformats.org/drawingml/2006/main" xmlns:r="http://schemas.openxmlformats.org/officeDocument/2006/relationships" xmlns:p="http://schemas.openxmlformats.org/presentationml/2006/main">
+  <p:cSld>
+    <p:spTree>
+      <p:nvGrpSpPr>
+        <p:cNvPr id="1" name=""/>
+        <p:cNvGrpSpPr/>
+        <p:nvPr/>
+      </p:nvGrpSpPr>
+      <p:grpSpPr>
+        <a:xfrm>
+          <a:off x="0" y="0"/>
+          <a:ext cx="0" cy="0"/>
+          <a:chOff x="0" y="0"/>
+          <a:chExt cx="0" cy="0"/>
+        </a:xfrm>
+      </p:grpSpPr>
+      <p:sp>
+        <p:nvSpPr>
+          <p:cNvPr id="2" name="Title 1"/>
+          <p:cNvSpPr>
+            <a:spLocks noGrp="1"/>
+          </p:cNvSpPr>
+          <p:nvPr>
+            <p:ph type="title"/>
+          </p:nvPr>
+        </p:nvSpPr>
+        <p:spPr>
+          <a:xfrm>
+            <a:off x="0" y="0"/>
+            <a:ext cx="8686800" cy="1143000"/>
+          </a:xfrm>
+        </p:spPr>
+        <p:txBody>
+          <a:bodyPr>
+            <a:normAutofit fontScale="90000"/>
+          </a:bodyPr>
+          <a:lstStyle/>
+          <a:p>
+            <a:pPr algn="ctr"/>
+            <a:r>
+              <a:rPr lang="en-US" sz="4000" b="1" u="sng" dirty="0" smtClean="0"/>
+              <a:t>SCREENSHOTS (PYTHON CODE)</a:t>
+            </a:r>
+            <a:endParaRPr lang="en-US" sz="4000" b="1" u="sng" dirty="0"/>
+          </a:p>
+        </p:txBody>
+      </p:sp>
+      <p:pic>
+        <p:nvPicPr>
+          <p:cNvPr id="5" name="Picture 4"/>
+          <p:cNvPicPr/>
+          <p:nvPr/>
+        </p:nvPicPr>
+        <p:blipFill>
+          <a:blip r:embed="rId2" cstate="print"/>
+          <a:srcRect l="8880" t="12811" r="8508" b="13167"/>
+          <a:stretch>
+            <a:fillRect/>
+          </a:stretch>
+        </p:blipFill>
+        <p:spPr bwMode="auto">
+          <a:xfrm>
+            <a:off x="0" y="1295400"/>
+            <a:ext cx="9144000" cy="5486400"/>
+          </a:xfrm>
+          <a:prstGeom prst="rect">
+            <a:avLst/>
+          </a:prstGeom>
+          <a:noFill/>
+          <a:ln w="9525">
+            <a:solidFill>
+              <a:schemeClr val="accent1"/>
+            </a:solidFill>
+            <a:miter lim="800000"/>
+            <a:headEnd/>
+            <a:tailEnd/>
+          </a:ln>
+        </p:spPr>
+      </p:pic>
+    </p:spTree>
+  </p:cSld>
+  <p:clrMapOvr>
+    <a:masterClrMapping/>
+  </p:clrMapOvr>
+  <p:transition spd="med">
+    <p:fade thruBlk="1"/>
   </p:transition>
   <p:timing>
     <p:tnLst>
